--- a/docs/_static/ppt/tutorial/multi_modal/doc.pptx
+++ b/docs/_static/ppt/tutorial/multi_modal/doc.pptx
@@ -10,6 +10,7 @@
     <p:sldId id="258" r:id="rId4"/>
     <p:sldId id="259" r:id="rId5"/>
     <p:sldId id="260" r:id="rId6"/>
+    <p:sldId id="261" r:id="rId7"/>
   </p:sldIdLst>
   <p:sldSz cx="12192000" cy="6858000"/>
   <p:notesSz cx="6858000" cy="9144000"/>
@@ -263,7 +264,7 @@
           <a:p>
             <a:fld id="{DE5FF3C8-E47D-1348-8B5A-CBD66D6DA3B2}" type="datetimeFigureOut">
               <a:rPr lang="en-US" smtClean="0"/>
-              <a:t>9/28/21</a:t>
+              <a:t>1/12/22</a:t>
             </a:fld>
             <a:endParaRPr lang="en-US"/>
           </a:p>
@@ -461,7 +462,7 @@
           <a:p>
             <a:fld id="{DE5FF3C8-E47D-1348-8B5A-CBD66D6DA3B2}" type="datetimeFigureOut">
               <a:rPr lang="en-US" smtClean="0"/>
-              <a:t>9/28/21</a:t>
+              <a:t>1/12/22</a:t>
             </a:fld>
             <a:endParaRPr lang="en-US"/>
           </a:p>
@@ -669,7 +670,7 @@
           <a:p>
             <a:fld id="{DE5FF3C8-E47D-1348-8B5A-CBD66D6DA3B2}" type="datetimeFigureOut">
               <a:rPr lang="en-US" smtClean="0"/>
-              <a:t>9/28/21</a:t>
+              <a:t>1/12/22</a:t>
             </a:fld>
             <a:endParaRPr lang="en-US"/>
           </a:p>
@@ -867,7 +868,7 @@
           <a:p>
             <a:fld id="{DE5FF3C8-E47D-1348-8B5A-CBD66D6DA3B2}" type="datetimeFigureOut">
               <a:rPr lang="en-US" smtClean="0"/>
-              <a:t>9/28/21</a:t>
+              <a:t>1/12/22</a:t>
             </a:fld>
             <a:endParaRPr lang="en-US"/>
           </a:p>
@@ -1142,7 +1143,7 @@
           <a:p>
             <a:fld id="{DE5FF3C8-E47D-1348-8B5A-CBD66D6DA3B2}" type="datetimeFigureOut">
               <a:rPr lang="en-US" smtClean="0"/>
-              <a:t>9/28/21</a:t>
+              <a:t>1/12/22</a:t>
             </a:fld>
             <a:endParaRPr lang="en-US"/>
           </a:p>
@@ -1407,7 +1408,7 @@
           <a:p>
             <a:fld id="{DE5FF3C8-E47D-1348-8B5A-CBD66D6DA3B2}" type="datetimeFigureOut">
               <a:rPr lang="en-US" smtClean="0"/>
-              <a:t>9/28/21</a:t>
+              <a:t>1/12/22</a:t>
             </a:fld>
             <a:endParaRPr lang="en-US"/>
           </a:p>
@@ -1819,7 +1820,7 @@
           <a:p>
             <a:fld id="{DE5FF3C8-E47D-1348-8B5A-CBD66D6DA3B2}" type="datetimeFigureOut">
               <a:rPr lang="en-US" smtClean="0"/>
-              <a:t>9/28/21</a:t>
+              <a:t>1/12/22</a:t>
             </a:fld>
             <a:endParaRPr lang="en-US"/>
           </a:p>
@@ -1960,7 +1961,7 @@
           <a:p>
             <a:fld id="{DE5FF3C8-E47D-1348-8B5A-CBD66D6DA3B2}" type="datetimeFigureOut">
               <a:rPr lang="en-US" smtClean="0"/>
-              <a:t>9/28/21</a:t>
+              <a:t>1/12/22</a:t>
             </a:fld>
             <a:endParaRPr lang="en-US"/>
           </a:p>
@@ -2073,7 +2074,7 @@
           <a:p>
             <a:fld id="{DE5FF3C8-E47D-1348-8B5A-CBD66D6DA3B2}" type="datetimeFigureOut">
               <a:rPr lang="en-US" smtClean="0"/>
-              <a:t>9/28/21</a:t>
+              <a:t>1/12/22</a:t>
             </a:fld>
             <a:endParaRPr lang="en-US"/>
           </a:p>
@@ -2384,7 +2385,7 @@
           <a:p>
             <a:fld id="{DE5FF3C8-E47D-1348-8B5A-CBD66D6DA3B2}" type="datetimeFigureOut">
               <a:rPr lang="en-US" smtClean="0"/>
-              <a:t>9/28/21</a:t>
+              <a:t>1/12/22</a:t>
             </a:fld>
             <a:endParaRPr lang="en-US"/>
           </a:p>
@@ -2672,7 +2673,7 @@
           <a:p>
             <a:fld id="{DE5FF3C8-E47D-1348-8B5A-CBD66D6DA3B2}" type="datetimeFigureOut">
               <a:rPr lang="en-US" smtClean="0"/>
-              <a:t>9/28/21</a:t>
+              <a:t>1/12/22</a:t>
             </a:fld>
             <a:endParaRPr lang="en-US"/>
           </a:p>
@@ -2913,7 +2914,7 @@
           <a:p>
             <a:fld id="{DE5FF3C8-E47D-1348-8B5A-CBD66D6DA3B2}" type="datetimeFigureOut">
               <a:rPr lang="en-US" smtClean="0"/>
-              <a:t>9/28/21</a:t>
+              <a:t>1/12/22</a:t>
             </a:fld>
             <a:endParaRPr lang="en-US"/>
           </a:p>
@@ -4098,6 +4099,817 @@
 </p:sld>
 </file>
 
+<file path=ppt/slides/slide6.xml><?xml version="1.0" encoding="utf-8"?>
+<p:sld xmlns:a="http://schemas.openxmlformats.org/drawingml/2006/main" xmlns:r="http://schemas.openxmlformats.org/officeDocument/2006/relationships" xmlns:p="http://schemas.openxmlformats.org/presentationml/2006/main">
+  <p:cSld>
+    <p:spTree>
+      <p:nvGrpSpPr>
+        <p:cNvPr id="1" name=""/>
+        <p:cNvGrpSpPr/>
+        <p:nvPr/>
+      </p:nvGrpSpPr>
+      <p:grpSpPr>
+        <a:xfrm>
+          <a:off x="0" y="0"/>
+          <a:ext cx="0" cy="0"/>
+          <a:chOff x="0" y="0"/>
+          <a:chExt cx="0" cy="0"/>
+        </a:xfrm>
+      </p:grpSpPr>
+      <p:sp>
+        <p:nvSpPr>
+          <p:cNvPr id="2" name="Rounded Rectangle 1">
+            <a:extLst>
+              <a:ext uri="{FF2B5EF4-FFF2-40B4-BE49-F238E27FC236}">
+                <a16:creationId xmlns:a16="http://schemas.microsoft.com/office/drawing/2014/main" id="{778B98A5-C7BE-404C-8BED-6E08F59D9491}"/>
+              </a:ext>
+            </a:extLst>
+          </p:cNvPr>
+          <p:cNvSpPr/>
+          <p:nvPr/>
+        </p:nvSpPr>
+        <p:spPr>
+          <a:xfrm>
+            <a:off x="740229" y="1839686"/>
+            <a:ext cx="2590800" cy="2198914"/>
+          </a:xfrm>
+          <a:prstGeom prst="roundRect">
+            <a:avLst/>
+          </a:prstGeom>
+        </p:spPr>
+        <p:style>
+          <a:lnRef idx="2">
+            <a:schemeClr val="accent1">
+              <a:shade val="50000"/>
+            </a:schemeClr>
+          </a:lnRef>
+          <a:fillRef idx="1">
+            <a:schemeClr val="accent1"/>
+          </a:fillRef>
+          <a:effectRef idx="0">
+            <a:schemeClr val="accent1"/>
+          </a:effectRef>
+          <a:fontRef idx="minor">
+            <a:schemeClr val="lt1"/>
+          </a:fontRef>
+        </p:style>
+        <p:txBody>
+          <a:bodyPr rtlCol="0" anchor="ctr"/>
+          <a:lstStyle/>
+          <a:p>
+            <a:pPr algn="ctr"/>
+            <a:r>
+              <a:rPr lang="en-US" dirty="0"/>
+              <a:t>RNA expr</a:t>
+            </a:r>
+          </a:p>
+        </p:txBody>
+      </p:sp>
+      <p:sp>
+        <p:nvSpPr>
+          <p:cNvPr id="3" name="Rounded Rectangle 2">
+            <a:extLst>
+              <a:ext uri="{FF2B5EF4-FFF2-40B4-BE49-F238E27FC236}">
+                <a16:creationId xmlns:a16="http://schemas.microsoft.com/office/drawing/2014/main" id="{6268F3D5-BCD1-7447-AECD-4653894BB369}"/>
+              </a:ext>
+            </a:extLst>
+          </p:cNvPr>
+          <p:cNvSpPr/>
+          <p:nvPr/>
+        </p:nvSpPr>
+        <p:spPr>
+          <a:xfrm>
+            <a:off x="3505200" y="1839686"/>
+            <a:ext cx="925286" cy="2198914"/>
+          </a:xfrm>
+          <a:prstGeom prst="roundRect">
+            <a:avLst/>
+          </a:prstGeom>
+          <a:solidFill>
+            <a:srgbClr val="FFC000"/>
+          </a:solidFill>
+        </p:spPr>
+        <p:style>
+          <a:lnRef idx="2">
+            <a:schemeClr val="accent1">
+              <a:shade val="50000"/>
+            </a:schemeClr>
+          </a:lnRef>
+          <a:fillRef idx="1">
+            <a:schemeClr val="accent1"/>
+          </a:fillRef>
+          <a:effectRef idx="0">
+            <a:schemeClr val="accent1"/>
+          </a:effectRef>
+          <a:fontRef idx="minor">
+            <a:schemeClr val="lt1"/>
+          </a:fontRef>
+        </p:style>
+        <p:txBody>
+          <a:bodyPr rtlCol="0" anchor="ctr"/>
+          <a:lstStyle/>
+          <a:p>
+            <a:pPr algn="ctr"/>
+            <a:r>
+              <a:rPr lang="en-US" dirty="0"/>
+              <a:t>ADT expr</a:t>
+            </a:r>
+          </a:p>
+        </p:txBody>
+      </p:sp>
+      <p:sp>
+        <p:nvSpPr>
+          <p:cNvPr id="4" name="Rounded Rectangle 3">
+            <a:extLst>
+              <a:ext uri="{FF2B5EF4-FFF2-40B4-BE49-F238E27FC236}">
+                <a16:creationId xmlns:a16="http://schemas.microsoft.com/office/drawing/2014/main" id="{3BB2B9AF-09AC-9944-B523-7717DAE7A2C7}"/>
+              </a:ext>
+            </a:extLst>
+          </p:cNvPr>
+          <p:cNvSpPr/>
+          <p:nvPr/>
+        </p:nvSpPr>
+        <p:spPr>
+          <a:xfrm>
+            <a:off x="4604656" y="1839686"/>
+            <a:ext cx="3614057" cy="2198914"/>
+          </a:xfrm>
+          <a:prstGeom prst="roundRect">
+            <a:avLst/>
+          </a:prstGeom>
+          <a:solidFill>
+            <a:srgbClr val="00B050"/>
+          </a:solidFill>
+        </p:spPr>
+        <p:style>
+          <a:lnRef idx="2">
+            <a:schemeClr val="accent1">
+              <a:shade val="50000"/>
+            </a:schemeClr>
+          </a:lnRef>
+          <a:fillRef idx="1">
+            <a:schemeClr val="accent1"/>
+          </a:fillRef>
+          <a:effectRef idx="0">
+            <a:schemeClr val="accent1"/>
+          </a:effectRef>
+          <a:fontRef idx="minor">
+            <a:schemeClr val="lt1"/>
+          </a:fontRef>
+        </p:style>
+        <p:txBody>
+          <a:bodyPr rtlCol="0" anchor="ctr"/>
+          <a:lstStyle/>
+          <a:p>
+            <a:pPr algn="ctr"/>
+            <a:r>
+              <a:rPr lang="en-US" dirty="0"/>
+              <a:t>ATAC expr</a:t>
+            </a:r>
+          </a:p>
+        </p:txBody>
+      </p:sp>
+      <p:sp>
+        <p:nvSpPr>
+          <p:cNvPr id="5" name="Rectangle 4">
+            <a:extLst>
+              <a:ext uri="{FF2B5EF4-FFF2-40B4-BE49-F238E27FC236}">
+                <a16:creationId xmlns:a16="http://schemas.microsoft.com/office/drawing/2014/main" id="{C8793ED5-1AD4-9645-B0D6-21C6EA9093B9}"/>
+              </a:ext>
+            </a:extLst>
+          </p:cNvPr>
+          <p:cNvSpPr/>
+          <p:nvPr/>
+        </p:nvSpPr>
+        <p:spPr>
+          <a:xfrm>
+            <a:off x="8882743" y="1839686"/>
+            <a:ext cx="272143" cy="2198914"/>
+          </a:xfrm>
+          <a:prstGeom prst="rect">
+            <a:avLst/>
+          </a:prstGeom>
+        </p:spPr>
+        <p:style>
+          <a:lnRef idx="2">
+            <a:schemeClr val="accent1">
+              <a:shade val="50000"/>
+            </a:schemeClr>
+          </a:lnRef>
+          <a:fillRef idx="1">
+            <a:schemeClr val="accent1"/>
+          </a:fillRef>
+          <a:effectRef idx="0">
+            <a:schemeClr val="accent1"/>
+          </a:effectRef>
+          <a:fontRef idx="minor">
+            <a:schemeClr val="lt1"/>
+          </a:fontRef>
+        </p:style>
+        <p:txBody>
+          <a:bodyPr rtlCol="0" anchor="ctr"/>
+          <a:lstStyle/>
+          <a:p>
+            <a:pPr algn="ctr"/>
+            <a:endParaRPr lang="en-US" dirty="0"/>
+          </a:p>
+        </p:txBody>
+      </p:sp>
+      <p:sp>
+        <p:nvSpPr>
+          <p:cNvPr id="6" name="Rectangle 5">
+            <a:extLst>
+              <a:ext uri="{FF2B5EF4-FFF2-40B4-BE49-F238E27FC236}">
+                <a16:creationId xmlns:a16="http://schemas.microsoft.com/office/drawing/2014/main" id="{A167EE2C-E01A-5841-BEE3-376651BEE0BB}"/>
+              </a:ext>
+            </a:extLst>
+          </p:cNvPr>
+          <p:cNvSpPr/>
+          <p:nvPr/>
+        </p:nvSpPr>
+        <p:spPr>
+          <a:xfrm>
+            <a:off x="9285515" y="1839686"/>
+            <a:ext cx="272143" cy="2198914"/>
+          </a:xfrm>
+          <a:prstGeom prst="rect">
+            <a:avLst/>
+          </a:prstGeom>
+        </p:spPr>
+        <p:style>
+          <a:lnRef idx="2">
+            <a:schemeClr val="accent1">
+              <a:shade val="50000"/>
+            </a:schemeClr>
+          </a:lnRef>
+          <a:fillRef idx="1">
+            <a:schemeClr val="accent1"/>
+          </a:fillRef>
+          <a:effectRef idx="0">
+            <a:schemeClr val="accent1"/>
+          </a:effectRef>
+          <a:fontRef idx="minor">
+            <a:schemeClr val="lt1"/>
+          </a:fontRef>
+        </p:style>
+        <p:txBody>
+          <a:bodyPr rtlCol="0" anchor="ctr"/>
+          <a:lstStyle/>
+          <a:p>
+            <a:pPr algn="ctr"/>
+            <a:endParaRPr lang="en-US"/>
+          </a:p>
+        </p:txBody>
+      </p:sp>
+      <p:sp>
+        <p:nvSpPr>
+          <p:cNvPr id="7" name="Rectangle 6">
+            <a:extLst>
+              <a:ext uri="{FF2B5EF4-FFF2-40B4-BE49-F238E27FC236}">
+                <a16:creationId xmlns:a16="http://schemas.microsoft.com/office/drawing/2014/main" id="{96B98540-57CC-9D41-9F6C-D61F21E8F670}"/>
+              </a:ext>
+            </a:extLst>
+          </p:cNvPr>
+          <p:cNvSpPr/>
+          <p:nvPr/>
+        </p:nvSpPr>
+        <p:spPr>
+          <a:xfrm>
+            <a:off x="9688287" y="1839686"/>
+            <a:ext cx="272143" cy="2198914"/>
+          </a:xfrm>
+          <a:prstGeom prst="rect">
+            <a:avLst/>
+          </a:prstGeom>
+          <a:solidFill>
+            <a:srgbClr val="FFC000"/>
+          </a:solidFill>
+        </p:spPr>
+        <p:style>
+          <a:lnRef idx="2">
+            <a:schemeClr val="accent1">
+              <a:shade val="50000"/>
+            </a:schemeClr>
+          </a:lnRef>
+          <a:fillRef idx="1">
+            <a:schemeClr val="accent1"/>
+          </a:fillRef>
+          <a:effectRef idx="0">
+            <a:schemeClr val="accent1"/>
+          </a:effectRef>
+          <a:fontRef idx="minor">
+            <a:schemeClr val="lt1"/>
+          </a:fontRef>
+        </p:style>
+        <p:txBody>
+          <a:bodyPr rtlCol="0" anchor="ctr"/>
+          <a:lstStyle/>
+          <a:p>
+            <a:pPr algn="ctr"/>
+            <a:endParaRPr lang="en-US"/>
+          </a:p>
+        </p:txBody>
+      </p:sp>
+      <p:sp>
+        <p:nvSpPr>
+          <p:cNvPr id="8" name="Rectangle 7">
+            <a:extLst>
+              <a:ext uri="{FF2B5EF4-FFF2-40B4-BE49-F238E27FC236}">
+                <a16:creationId xmlns:a16="http://schemas.microsoft.com/office/drawing/2014/main" id="{8915A575-5F72-6F4F-AD34-BC3E3759869A}"/>
+              </a:ext>
+            </a:extLst>
+          </p:cNvPr>
+          <p:cNvSpPr/>
+          <p:nvPr/>
+        </p:nvSpPr>
+        <p:spPr>
+          <a:xfrm>
+            <a:off x="10091059" y="1839686"/>
+            <a:ext cx="272143" cy="2198914"/>
+          </a:xfrm>
+          <a:prstGeom prst="rect">
+            <a:avLst/>
+          </a:prstGeom>
+          <a:solidFill>
+            <a:srgbClr val="FFC000"/>
+          </a:solidFill>
+        </p:spPr>
+        <p:style>
+          <a:lnRef idx="2">
+            <a:schemeClr val="accent1">
+              <a:shade val="50000"/>
+            </a:schemeClr>
+          </a:lnRef>
+          <a:fillRef idx="1">
+            <a:schemeClr val="accent1"/>
+          </a:fillRef>
+          <a:effectRef idx="0">
+            <a:schemeClr val="accent1"/>
+          </a:effectRef>
+          <a:fontRef idx="minor">
+            <a:schemeClr val="lt1"/>
+          </a:fontRef>
+        </p:style>
+        <p:txBody>
+          <a:bodyPr rtlCol="0" anchor="ctr"/>
+          <a:lstStyle/>
+          <a:p>
+            <a:pPr algn="ctr"/>
+            <a:endParaRPr lang="en-US"/>
+          </a:p>
+        </p:txBody>
+      </p:sp>
+      <p:sp>
+        <p:nvSpPr>
+          <p:cNvPr id="9" name="Rectangle 8">
+            <a:extLst>
+              <a:ext uri="{FF2B5EF4-FFF2-40B4-BE49-F238E27FC236}">
+                <a16:creationId xmlns:a16="http://schemas.microsoft.com/office/drawing/2014/main" id="{AA2A78D3-C474-4445-8CD2-5B43BEB57727}"/>
+              </a:ext>
+            </a:extLst>
+          </p:cNvPr>
+          <p:cNvSpPr/>
+          <p:nvPr/>
+        </p:nvSpPr>
+        <p:spPr>
+          <a:xfrm>
+            <a:off x="10461174" y="1839686"/>
+            <a:ext cx="272143" cy="2198914"/>
+          </a:xfrm>
+          <a:prstGeom prst="rect">
+            <a:avLst/>
+          </a:prstGeom>
+          <a:solidFill>
+            <a:srgbClr val="00B050"/>
+          </a:solidFill>
+        </p:spPr>
+        <p:style>
+          <a:lnRef idx="2">
+            <a:schemeClr val="accent1">
+              <a:shade val="50000"/>
+            </a:schemeClr>
+          </a:lnRef>
+          <a:fillRef idx="1">
+            <a:schemeClr val="accent1"/>
+          </a:fillRef>
+          <a:effectRef idx="0">
+            <a:schemeClr val="accent1"/>
+          </a:effectRef>
+          <a:fontRef idx="minor">
+            <a:schemeClr val="lt1"/>
+          </a:fontRef>
+        </p:style>
+        <p:txBody>
+          <a:bodyPr rtlCol="0" anchor="ctr"/>
+          <a:lstStyle/>
+          <a:p>
+            <a:pPr algn="ctr"/>
+            <a:endParaRPr lang="en-US"/>
+          </a:p>
+        </p:txBody>
+      </p:sp>
+      <p:sp>
+        <p:nvSpPr>
+          <p:cNvPr id="10" name="Rectangle 9">
+            <a:extLst>
+              <a:ext uri="{FF2B5EF4-FFF2-40B4-BE49-F238E27FC236}">
+                <a16:creationId xmlns:a16="http://schemas.microsoft.com/office/drawing/2014/main" id="{8711445D-8FE0-7945-9D07-21D533FA1A16}"/>
+              </a:ext>
+            </a:extLst>
+          </p:cNvPr>
+          <p:cNvSpPr/>
+          <p:nvPr/>
+        </p:nvSpPr>
+        <p:spPr>
+          <a:xfrm>
+            <a:off x="10831289" y="1839686"/>
+            <a:ext cx="272143" cy="2198914"/>
+          </a:xfrm>
+          <a:prstGeom prst="rect">
+            <a:avLst/>
+          </a:prstGeom>
+          <a:solidFill>
+            <a:srgbClr val="00B050"/>
+          </a:solidFill>
+        </p:spPr>
+        <p:style>
+          <a:lnRef idx="2">
+            <a:schemeClr val="accent1">
+              <a:shade val="50000"/>
+            </a:schemeClr>
+          </a:lnRef>
+          <a:fillRef idx="1">
+            <a:schemeClr val="accent1"/>
+          </a:fillRef>
+          <a:effectRef idx="0">
+            <a:schemeClr val="accent1"/>
+          </a:effectRef>
+          <a:fontRef idx="minor">
+            <a:schemeClr val="lt1"/>
+          </a:fontRef>
+        </p:style>
+        <p:txBody>
+          <a:bodyPr rtlCol="0" anchor="ctr"/>
+          <a:lstStyle/>
+          <a:p>
+            <a:pPr algn="ctr"/>
+            <a:endParaRPr lang="en-US"/>
+          </a:p>
+        </p:txBody>
+      </p:sp>
+      <p:sp>
+        <p:nvSpPr>
+          <p:cNvPr id="11" name="Rectangle 10">
+            <a:extLst>
+              <a:ext uri="{FF2B5EF4-FFF2-40B4-BE49-F238E27FC236}">
+                <a16:creationId xmlns:a16="http://schemas.microsoft.com/office/drawing/2014/main" id="{EF96B4DF-F261-514E-A8E7-C6265E848AB7}"/>
+              </a:ext>
+            </a:extLst>
+          </p:cNvPr>
+          <p:cNvSpPr/>
+          <p:nvPr/>
+        </p:nvSpPr>
+        <p:spPr>
+          <a:xfrm>
+            <a:off x="8784771" y="1469571"/>
+            <a:ext cx="838200" cy="2971800"/>
+          </a:xfrm>
+          <a:prstGeom prst="rect">
+            <a:avLst/>
+          </a:prstGeom>
+          <a:noFill/>
+          <a:ln w="38100">
+            <a:solidFill>
+              <a:srgbClr val="FF0000"/>
+            </a:solidFill>
+          </a:ln>
+        </p:spPr>
+        <p:style>
+          <a:lnRef idx="2">
+            <a:schemeClr val="accent1">
+              <a:shade val="50000"/>
+            </a:schemeClr>
+          </a:lnRef>
+          <a:fillRef idx="1">
+            <a:schemeClr val="accent1"/>
+          </a:fillRef>
+          <a:effectRef idx="0">
+            <a:schemeClr val="accent1"/>
+          </a:effectRef>
+          <a:fontRef idx="minor">
+            <a:schemeClr val="lt1"/>
+          </a:fontRef>
+        </p:style>
+        <p:txBody>
+          <a:bodyPr rtlCol="0" anchor="ctr"/>
+          <a:lstStyle/>
+          <a:p>
+            <a:pPr algn="ctr"/>
+            <a:endParaRPr lang="en-US"/>
+          </a:p>
+        </p:txBody>
+      </p:sp>
+      <p:sp>
+        <p:nvSpPr>
+          <p:cNvPr id="12" name="TextBox 11">
+            <a:extLst>
+              <a:ext uri="{FF2B5EF4-FFF2-40B4-BE49-F238E27FC236}">
+                <a16:creationId xmlns:a16="http://schemas.microsoft.com/office/drawing/2014/main" id="{E0AA4632-B1EF-8145-AC14-77005E45B0DC}"/>
+              </a:ext>
+            </a:extLst>
+          </p:cNvPr>
+          <p:cNvSpPr txBox="1"/>
+          <p:nvPr/>
+        </p:nvSpPr>
+        <p:spPr>
+          <a:xfrm>
+            <a:off x="7745187" y="1066800"/>
+            <a:ext cx="2852058" cy="369332"/>
+          </a:xfrm>
+          <a:prstGeom prst="rect">
+            <a:avLst/>
+          </a:prstGeom>
+          <a:noFill/>
+        </p:spPr>
+        <p:txBody>
+          <a:bodyPr wrap="square" rtlCol="0">
+            <a:spAutoFit/>
+          </a:bodyPr>
+          <a:lstStyle/>
+          <a:p>
+            <a:r>
+              <a:rPr lang="en-US" dirty="0"/>
+              <a:t>RNA cluster annotation 1,2</a:t>
+            </a:r>
+          </a:p>
+        </p:txBody>
+      </p:sp>
+      <p:sp>
+        <p:nvSpPr>
+          <p:cNvPr id="13" name="TextBox 12">
+            <a:extLst>
+              <a:ext uri="{FF2B5EF4-FFF2-40B4-BE49-F238E27FC236}">
+                <a16:creationId xmlns:a16="http://schemas.microsoft.com/office/drawing/2014/main" id="{DB405E83-5575-0348-941F-F1CFED458524}"/>
+              </a:ext>
+            </a:extLst>
+          </p:cNvPr>
+          <p:cNvSpPr txBox="1"/>
+          <p:nvPr/>
+        </p:nvSpPr>
+        <p:spPr>
+          <a:xfrm>
+            <a:off x="9824358" y="4245429"/>
+            <a:ext cx="636816" cy="369332"/>
+          </a:xfrm>
+          <a:prstGeom prst="rect">
+            <a:avLst/>
+          </a:prstGeom>
+          <a:noFill/>
+        </p:spPr>
+        <p:txBody>
+          <a:bodyPr wrap="square" rtlCol="0">
+            <a:spAutoFit/>
+          </a:bodyPr>
+          <a:lstStyle/>
+          <a:p>
+            <a:r>
+              <a:rPr lang="en-US" dirty="0"/>
+              <a:t>ADT</a:t>
+            </a:r>
+          </a:p>
+        </p:txBody>
+      </p:sp>
+      <p:sp>
+        <p:nvSpPr>
+          <p:cNvPr id="14" name="TextBox 13">
+            <a:extLst>
+              <a:ext uri="{FF2B5EF4-FFF2-40B4-BE49-F238E27FC236}">
+                <a16:creationId xmlns:a16="http://schemas.microsoft.com/office/drawing/2014/main" id="{9F0CB873-555B-0147-A1A5-7F49603253B4}"/>
+              </a:ext>
+            </a:extLst>
+          </p:cNvPr>
+          <p:cNvSpPr txBox="1"/>
+          <p:nvPr/>
+        </p:nvSpPr>
+        <p:spPr>
+          <a:xfrm>
+            <a:off x="10512881" y="4245429"/>
+            <a:ext cx="1047748" cy="369332"/>
+          </a:xfrm>
+          <a:prstGeom prst="rect">
+            <a:avLst/>
+          </a:prstGeom>
+          <a:noFill/>
+        </p:spPr>
+        <p:txBody>
+          <a:bodyPr wrap="square" rtlCol="0">
+            <a:spAutoFit/>
+          </a:bodyPr>
+          <a:lstStyle/>
+          <a:p>
+            <a:r>
+              <a:rPr lang="en-US" dirty="0"/>
+              <a:t>ATAC</a:t>
+            </a:r>
+          </a:p>
+        </p:txBody>
+      </p:sp>
+      <p:sp>
+        <p:nvSpPr>
+          <p:cNvPr id="15" name="TextBox 14">
+            <a:extLst>
+              <a:ext uri="{FF2B5EF4-FFF2-40B4-BE49-F238E27FC236}">
+                <a16:creationId xmlns:a16="http://schemas.microsoft.com/office/drawing/2014/main" id="{78C7F098-EEAA-904A-A508-D276F0F1EDE1}"/>
+              </a:ext>
+            </a:extLst>
+          </p:cNvPr>
+          <p:cNvSpPr txBox="1"/>
+          <p:nvPr/>
+        </p:nvSpPr>
+        <p:spPr>
+          <a:xfrm>
+            <a:off x="119742" y="239486"/>
+            <a:ext cx="5976257" cy="369332"/>
+          </a:xfrm>
+          <a:prstGeom prst="rect">
+            <a:avLst/>
+          </a:prstGeom>
+          <a:noFill/>
+        </p:spPr>
+        <p:txBody>
+          <a:bodyPr wrap="square" rtlCol="0">
+            <a:spAutoFit/>
+          </a:bodyPr>
+          <a:lstStyle/>
+          <a:p>
+            <a:r>
+              <a:rPr lang="en-US" dirty="0"/>
+              <a:t>Try to construct a </a:t>
+            </a:r>
+            <a:r>
+              <a:rPr lang="en-US" dirty="0" err="1">
+                <a:solidFill>
+                  <a:srgbClr val="FF0000"/>
+                </a:solidFill>
+              </a:rPr>
+              <a:t>Anndata</a:t>
+            </a:r>
+            <a:r>
+              <a:rPr lang="en-US" dirty="0"/>
+              <a:t> like below</a:t>
+            </a:r>
+          </a:p>
+        </p:txBody>
+      </p:sp>
+      <p:sp>
+        <p:nvSpPr>
+          <p:cNvPr id="16" name="TextBox 15">
+            <a:extLst>
+              <a:ext uri="{FF2B5EF4-FFF2-40B4-BE49-F238E27FC236}">
+                <a16:creationId xmlns:a16="http://schemas.microsoft.com/office/drawing/2014/main" id="{4E51EFA2-671E-EF44-A72F-AFB717903E5E}"/>
+              </a:ext>
+            </a:extLst>
+          </p:cNvPr>
+          <p:cNvSpPr txBox="1"/>
+          <p:nvPr/>
+        </p:nvSpPr>
+        <p:spPr>
+          <a:xfrm>
+            <a:off x="315685" y="4789714"/>
+            <a:ext cx="10417631" cy="1200329"/>
+          </a:xfrm>
+          <a:prstGeom prst="rect">
+            <a:avLst/>
+          </a:prstGeom>
+          <a:noFill/>
+        </p:spPr>
+        <p:txBody>
+          <a:bodyPr wrap="square" rtlCol="0">
+            <a:spAutoFit/>
+          </a:bodyPr>
+          <a:lstStyle/>
+          <a:p>
+            <a:pPr marL="285750" indent="-285750">
+              <a:buFont typeface="Arial" panose="020B0604020202020204" pitchFamily="34" charset="0"/>
+              <a:buChar char="•"/>
+            </a:pPr>
+            <a:r>
+              <a:rPr lang="en-US" dirty="0"/>
+              <a:t>If expr has been scaled/corrected somehow, put raw count in </a:t>
+            </a:r>
+            <a:r>
+              <a:rPr lang="en-US" dirty="0" err="1">
+                <a:solidFill>
+                  <a:srgbClr val="FF0000"/>
+                </a:solidFill>
+              </a:rPr>
+              <a:t>anndata.layers</a:t>
+            </a:r>
+            <a:r>
+              <a:rPr lang="en-US" dirty="0">
+                <a:solidFill>
+                  <a:srgbClr val="FF0000"/>
+                </a:solidFill>
+              </a:rPr>
+              <a:t>[key], </a:t>
+            </a:r>
+            <a:r>
+              <a:rPr lang="en-US" dirty="0"/>
+              <a:t>and specify layer parameter when executing </a:t>
+            </a:r>
+            <a:r>
+              <a:rPr lang="en-US" dirty="0" err="1">
+                <a:solidFill>
+                  <a:srgbClr val="FF0000"/>
+                </a:solidFill>
+              </a:rPr>
+              <a:t>sctri.lazy_run</a:t>
+            </a:r>
+            <a:r>
+              <a:rPr lang="en-US" dirty="0">
+                <a:solidFill>
+                  <a:srgbClr val="FF0000"/>
+                </a:solidFill>
+              </a:rPr>
+              <a:t>() </a:t>
+            </a:r>
+          </a:p>
+          <a:p>
+            <a:pPr marL="285750" indent="-285750">
+              <a:buFont typeface="Arial" panose="020B0604020202020204" pitchFamily="34" charset="0"/>
+              <a:buChar char="•"/>
+            </a:pPr>
+            <a:r>
+              <a:rPr lang="en-US" dirty="0"/>
+              <a:t>If you don’t have existing annotation, using </a:t>
+            </a:r>
+            <a:r>
+              <a:rPr lang="en-US" dirty="0" err="1">
+                <a:solidFill>
+                  <a:srgbClr val="FF0000"/>
+                </a:solidFill>
+              </a:rPr>
+              <a:t>preprocessing.scanpy_recipe</a:t>
+            </a:r>
+            <a:r>
+              <a:rPr lang="en-US" dirty="0">
+                <a:solidFill>
+                  <a:srgbClr val="FF0000"/>
+                </a:solidFill>
+              </a:rPr>
+              <a:t>() </a:t>
+            </a:r>
+            <a:r>
+              <a:rPr lang="en-US" dirty="0"/>
+              <a:t>to derive Leiden clusters</a:t>
+            </a:r>
+            <a:endParaRPr lang="en-US" dirty="0">
+              <a:solidFill>
+                <a:srgbClr val="FF0000"/>
+              </a:solidFill>
+            </a:endParaRPr>
+          </a:p>
+          <a:p>
+            <a:pPr marL="285750" indent="-285750">
+              <a:buFont typeface="Arial" panose="020B0604020202020204" pitchFamily="34" charset="0"/>
+              <a:buChar char="•"/>
+            </a:pPr>
+            <a:r>
+              <a:rPr lang="en-US" dirty="0"/>
+              <a:t>If you have existing annotation to add, using </a:t>
+            </a:r>
+            <a:r>
+              <a:rPr lang="en-US" dirty="0" err="1">
+                <a:solidFill>
+                  <a:srgbClr val="FF0000"/>
+                </a:solidFill>
+              </a:rPr>
+              <a:t>preprocessing.add_annotation</a:t>
+            </a:r>
+            <a:r>
+              <a:rPr lang="en-US" dirty="0">
+                <a:solidFill>
+                  <a:srgbClr val="FF0000"/>
+                </a:solidFill>
+              </a:rPr>
+              <a:t>()</a:t>
+            </a:r>
+          </a:p>
+        </p:txBody>
+      </p:sp>
+    </p:spTree>
+    <p:extLst>
+      <p:ext uri="{BB962C8B-B14F-4D97-AF65-F5344CB8AC3E}">
+        <p14:creationId xmlns:p14="http://schemas.microsoft.com/office/powerpoint/2010/main" val="580859191"/>
+      </p:ext>
+    </p:extLst>
+  </p:cSld>
+  <p:clrMapOvr>
+    <a:masterClrMapping/>
+  </p:clrMapOvr>
+</p:sld>
+</file>
+
 <file path=ppt/theme/theme1.xml><?xml version="1.0" encoding="utf-8"?>
 <a:theme xmlns:a="http://schemas.openxmlformats.org/drawingml/2006/main" name="Office Theme">
   <a:themeElements>
